--- a/Presentaties/Eindpresentatie.pptx
+++ b/Presentaties/Eindpresentatie.pptx
@@ -7,14 +7,12 @@
   <p:sldIdLst>
     <p:sldId id="256" r:id="rId2"/>
     <p:sldId id="263" r:id="rId3"/>
-    <p:sldId id="265" r:id="rId4"/>
-    <p:sldId id="264" r:id="rId5"/>
-    <p:sldId id="257" r:id="rId6"/>
-    <p:sldId id="258" r:id="rId7"/>
-    <p:sldId id="259" r:id="rId8"/>
-    <p:sldId id="260" r:id="rId9"/>
-    <p:sldId id="261" r:id="rId10"/>
-    <p:sldId id="262" r:id="rId11"/>
+    <p:sldId id="257" r:id="rId4"/>
+    <p:sldId id="258" r:id="rId5"/>
+    <p:sldId id="259" r:id="rId6"/>
+    <p:sldId id="260" r:id="rId7"/>
+    <p:sldId id="261" r:id="rId8"/>
+    <p:sldId id="262" r:id="rId9"/>
   </p:sldIdLst>
   <p:sldSz cx="9144000" cy="6858000" type="screen4x3"/>
   <p:notesSz cx="6858000" cy="9144000"/>
@@ -3202,78 +3200,6 @@
 </p:sld>
 </file>
 
-<file path=ppt/slides/slide10.xml><?xml version="1.0" encoding="utf-8"?>
-<p:sld xmlns:a="http://schemas.openxmlformats.org/drawingml/2006/main" xmlns:r="http://schemas.openxmlformats.org/officeDocument/2006/relationships" xmlns:p="http://schemas.openxmlformats.org/presentationml/2006/main">
-  <p:cSld>
-    <p:spTree>
-      <p:nvGrpSpPr>
-        <p:cNvPr id="1" name=""/>
-        <p:cNvGrpSpPr/>
-        <p:nvPr/>
-      </p:nvGrpSpPr>
-      <p:grpSpPr>
-        <a:xfrm>
-          <a:off x="0" y="0"/>
-          <a:ext cx="0" cy="0"/>
-          <a:chOff x="0" y="0"/>
-          <a:chExt cx="0" cy="0"/>
-        </a:xfrm>
-      </p:grpSpPr>
-      <p:sp>
-        <p:nvSpPr>
-          <p:cNvPr id="2" name="Title 1"/>
-          <p:cNvSpPr>
-            <a:spLocks noGrp="1"/>
-          </p:cNvSpPr>
-          <p:nvPr>
-            <p:ph type="title"/>
-          </p:nvPr>
-        </p:nvSpPr>
-        <p:spPr/>
-        <p:txBody>
-          <a:bodyPr/>
-          <a:lstStyle/>
-          <a:p>
-            <a:r>
-              <a:rPr lang="nl-NL" dirty="0" smtClean="0"/>
-              <a:t>Conclusie en discussie</a:t>
-            </a:r>
-            <a:endParaRPr lang="nl-NL" dirty="0"/>
-          </a:p>
-        </p:txBody>
-      </p:sp>
-      <p:sp>
-        <p:nvSpPr>
-          <p:cNvPr id="3" name="Content Placeholder 2"/>
-          <p:cNvSpPr>
-            <a:spLocks noGrp="1"/>
-          </p:cNvSpPr>
-          <p:nvPr>
-            <p:ph idx="1"/>
-          </p:nvPr>
-        </p:nvSpPr>
-        <p:spPr/>
-        <p:txBody>
-          <a:bodyPr/>
-          <a:lstStyle/>
-          <a:p>
-            <a:endParaRPr lang="nl-NL"/>
-          </a:p>
-        </p:txBody>
-      </p:sp>
-    </p:spTree>
-    <p:extLst>
-      <p:ext uri="{BB962C8B-B14F-4D97-AF65-F5344CB8AC3E}">
-        <p14:creationId xmlns:p14="http://schemas.microsoft.com/office/powerpoint/2010/main" val="2439522940"/>
-      </p:ext>
-    </p:extLst>
-  </p:cSld>
-  <p:clrMapOvr>
-    <a:masterClrMapping/>
-  </p:clrMapOvr>
-</p:sld>
-</file>
-
 <file path=ppt/slides/slide2.xml><?xml version="1.0" encoding="utf-8"?>
 <p:sld xmlns:a="http://schemas.openxmlformats.org/drawingml/2006/main" xmlns:r="http://schemas.openxmlformats.org/officeDocument/2006/relationships" xmlns:p="http://schemas.openxmlformats.org/presentationml/2006/main">
   <p:cSld>
@@ -3358,7 +3284,7 @@
         </p:nvSpPr>
         <p:spPr>
           <a:xfrm>
-            <a:off x="253525" y="304800"/>
+            <a:off x="244979" y="901969"/>
             <a:ext cx="4267200" cy="1200329"/>
           </a:xfrm>
           <a:prstGeom prst="rect">
@@ -3417,7 +3343,7 @@
         </p:nvSpPr>
         <p:spPr>
           <a:xfrm>
-            <a:off x="4648200" y="304800"/>
+            <a:off x="4648200" y="901968"/>
             <a:ext cx="4800600" cy="1200329"/>
           </a:xfrm>
           <a:prstGeom prst="rect">
@@ -3471,34 +3397,31 @@
       </p:sp>
       <p:sp>
         <p:nvSpPr>
-          <p:cNvPr id="11" name="TextBox 10"/>
-          <p:cNvSpPr txBox="1"/>
-          <p:nvPr/>
+          <p:cNvPr id="10" name="Title 1"/>
+          <p:cNvSpPr>
+            <a:spLocks noGrp="1"/>
+          </p:cNvSpPr>
+          <p:nvPr>
+            <p:ph type="title"/>
+          </p:nvPr>
         </p:nvSpPr>
         <p:spPr>
           <a:xfrm>
-            <a:off x="2971800" y="1576699"/>
-            <a:ext cx="4838700" cy="646331"/>
+            <a:off x="457200" y="-10682"/>
+            <a:ext cx="8229600" cy="1143000"/>
           </a:xfrm>
-          <a:prstGeom prst="rect">
-            <a:avLst/>
-          </a:prstGeom>
-          <a:noFill/>
         </p:spPr>
         <p:txBody>
-          <a:bodyPr wrap="square" rtlCol="0">
-            <a:spAutoFit/>
+          <a:bodyPr>
+            <a:normAutofit/>
           </a:bodyPr>
           <a:lstStyle/>
           <a:p>
-            <a:pPr marL="0" lvl="1"/>
-            <a:r>
-              <a:rPr lang="nl-NL" dirty="0" smtClean="0"/>
-              <a:t>S = p*10000 - (t*20 + min/10)</a:t>
-            </a:r>
-          </a:p>
-          <a:p>
-            <a:endParaRPr lang="nl-NL" dirty="0"/>
+            <a:r>
+              <a:rPr lang="nl-NL" sz="4000" dirty="0" smtClean="0"/>
+              <a:t>Introductie</a:t>
+            </a:r>
+            <a:endParaRPr lang="nl-NL" sz="4000" dirty="0"/>
           </a:p>
         </p:txBody>
       </p:sp>
@@ -3556,7 +3479,7 @@
           <a:p>
             <a:r>
               <a:rPr lang="nl-NL" dirty="0" smtClean="0"/>
-              <a:t>Introductie</a:t>
+              <a:t>Scorefunctie</a:t>
             </a:r>
             <a:endParaRPr lang="nl-NL" dirty="0"/>
           </a:p>
@@ -3576,38 +3499,43 @@
         <p:txBody>
           <a:bodyPr/>
           <a:lstStyle/>
-          <a:p>
-            <a:r>
-              <a:rPr lang="nl-NL" sz="3000" dirty="0" smtClean="0"/>
-              <a:t>Noord- en Zuid-Holland</a:t>
-            </a:r>
-          </a:p>
-          <a:p>
-            <a:pPr lvl="1"/>
-            <a:r>
-              <a:rPr lang="nl-NL" sz="2600" dirty="0" smtClean="0"/>
-              <a:t>7 treinen a 120 minuten</a:t>
-            </a:r>
-          </a:p>
-          <a:p>
-            <a:pPr marL="457200" lvl="1" indent="0">
-              <a:buNone/>
-            </a:pPr>
-            <a:endParaRPr lang="nl-NL" dirty="0" smtClean="0"/>
-          </a:p>
           <a:p>
             <a:r>
               <a:rPr lang="nl-NL" sz="3000" dirty="0" smtClean="0"/>
               <a:t>Scorefunctie</a:t>
             </a:r>
+            <a:endParaRPr lang="nl-NL" sz="3000" dirty="0" smtClean="0"/>
           </a:p>
           <a:p>
             <a:pPr lvl="1"/>
             <a:r>
               <a:rPr lang="nl-NL" sz="2600" dirty="0"/>
-              <a:t>S = p*10000 - (t*20 + min/10)</a:t>
-            </a:r>
-            <a:endParaRPr lang="nl-NL" sz="2600" dirty="0" smtClean="0"/>
+              <a:t>S = p*10000 - (t*20 + min/10</a:t>
+            </a:r>
+            <a:r>
+              <a:rPr lang="nl-NL" sz="2600" dirty="0" smtClean="0"/>
+              <a:t>)</a:t>
+            </a:r>
+          </a:p>
+          <a:p>
+            <a:pPr lvl="1"/>
+            <a:endParaRPr lang="nl-NL" sz="2600" dirty="0"/>
+          </a:p>
+          <a:p>
+            <a:pPr lvl="1"/>
+            <a:r>
+              <a:rPr lang="nl-NL" sz="4800" dirty="0" smtClean="0">
+                <a:solidFill>
+                  <a:srgbClr val="FF0000"/>
+                </a:solidFill>
+              </a:rPr>
+              <a:t>Grafiek upperbound</a:t>
+            </a:r>
+            <a:endParaRPr lang="nl-NL" sz="4800" dirty="0" smtClean="0">
+              <a:solidFill>
+                <a:srgbClr val="FF0000"/>
+              </a:solidFill>
+            </a:endParaRPr>
           </a:p>
           <a:p>
             <a:pPr lvl="1"/>
@@ -3618,7 +3546,7 @@
     </p:spTree>
     <p:extLst>
       <p:ext uri="{BB962C8B-B14F-4D97-AF65-F5344CB8AC3E}">
-        <p14:creationId xmlns:p14="http://schemas.microsoft.com/office/powerpoint/2010/main" val="3014529540"/>
+        <p14:creationId xmlns:p14="http://schemas.microsoft.com/office/powerpoint/2010/main" val="102163434"/>
       </p:ext>
     </p:extLst>
   </p:cSld>
@@ -3667,19 +3595,66 @@
           <a:bodyPr/>
           <a:lstStyle/>
           <a:p>
-            <a:endParaRPr lang="nl-NL"/>
+            <a:r>
+              <a:rPr lang="nl-NL" dirty="0" smtClean="0"/>
+              <a:t>Statespace</a:t>
+            </a:r>
+            <a:endParaRPr lang="nl-NL" dirty="0"/>
+          </a:p>
+        </p:txBody>
+      </p:sp>
+      <p:sp>
+        <p:nvSpPr>
+          <p:cNvPr id="3" name="Content Placeholder 2"/>
+          <p:cNvSpPr>
+            <a:spLocks noGrp="1"/>
+          </p:cNvSpPr>
+          <p:nvPr>
+            <p:ph idx="1"/>
+          </p:nvPr>
+        </p:nvSpPr>
+        <p:spPr/>
+        <p:txBody>
+          <a:bodyPr/>
+          <a:lstStyle/>
+          <a:p>
+            <a:r>
+              <a:rPr lang="nl-NL" dirty="0" smtClean="0"/>
+              <a:t>N over k</a:t>
+            </a:r>
+          </a:p>
+          <a:p>
+            <a:pPr lvl="1"/>
+            <a:endParaRPr lang="nl-NL" dirty="0" smtClean="0"/>
+          </a:p>
+          <a:p>
+            <a:r>
+              <a:rPr lang="nl-NL" dirty="0" smtClean="0"/>
+              <a:t>Holland</a:t>
+            </a:r>
+            <a:endParaRPr lang="nl-NL" dirty="0"/>
+          </a:p>
+          <a:p>
+            <a:endParaRPr lang="nl-NL" dirty="0"/>
+          </a:p>
+          <a:p>
+            <a:r>
+              <a:rPr lang="nl-NL" dirty="0" smtClean="0"/>
+              <a:t>Nationaal</a:t>
+            </a:r>
+          </a:p>
+          <a:p>
+            <a:endParaRPr lang="nl-NL" dirty="0" smtClean="0"/>
           </a:p>
         </p:txBody>
       </p:sp>
       <p:pic>
         <p:nvPicPr>
-          <p:cNvPr id="4" name="Content Placeholder 3"/>
+          <p:cNvPr id="1030" name="Picture 6"/>
           <p:cNvPicPr>
-            <a:picLocks noGrp="1" noChangeAspect="1"/>
+            <a:picLocks noChangeAspect="1" noChangeArrowheads="1"/>
           </p:cNvPicPr>
-          <p:nvPr>
-            <p:ph idx="1"/>
-          </p:nvPr>
+          <p:nvPr/>
         </p:nvPicPr>
         <p:blipFill>
           <a:blip r:embed="rId2">
@@ -3689,21 +3664,58 @@
               </a:ext>
             </a:extLst>
           </a:blip>
+          <a:srcRect/>
           <a:stretch>
             <a:fillRect/>
           </a:stretch>
         </p:blipFill>
-        <p:spPr>
+        <p:spPr bwMode="auto">
           <a:xfrm>
-            <a:off x="0" y="-1"/>
-            <a:ext cx="9144000" cy="7086601"/>
+            <a:off x="3090017" y="1447800"/>
+            <a:ext cx="2524125" cy="781050"/>
           </a:xfrm>
+          <a:prstGeom prst="rect">
+            <a:avLst/>
+          </a:prstGeom>
+          <a:noFill/>
+          <a:ln>
+            <a:noFill/>
+          </a:ln>
+          <a:effectLst/>
+          <a:extLst>
+            <a:ext uri="{909E8E84-426E-40DD-AFC4-6F175D3DCCD1}">
+              <a14:hiddenFill xmlns:a14="http://schemas.microsoft.com/office/drawing/2010/main">
+                <a:solidFill>
+                  <a:schemeClr val="accent1"/>
+                </a:solidFill>
+              </a14:hiddenFill>
+            </a:ext>
+            <a:ext uri="{91240B29-F687-4F45-9708-019B960494DF}">
+              <a14:hiddenLine xmlns:a14="http://schemas.microsoft.com/office/drawing/2010/main" w="9525">
+                <a:solidFill>
+                  <a:schemeClr val="tx1"/>
+                </a:solidFill>
+                <a:miter lim="800000"/>
+                <a:headEnd/>
+                <a:tailEnd/>
+              </a14:hiddenLine>
+            </a:ext>
+            <a:ext uri="{AF507438-7753-43E0-B8FC-AC1667EBCBE1}">
+              <a14:hiddenEffects xmlns:a14="http://schemas.microsoft.com/office/drawing/2010/main">
+                <a:effectLst>
+                  <a:outerShdw dist="35921" dir="2700000" algn="ctr" rotWithShape="0">
+                    <a:schemeClr val="bg2"/>
+                  </a:outerShdw>
+                </a:effectLst>
+              </a14:hiddenEffects>
+            </a:ext>
+          </a:extLst>
         </p:spPr>
       </p:pic>
     </p:spTree>
     <p:extLst>
       <p:ext uri="{BB962C8B-B14F-4D97-AF65-F5344CB8AC3E}">
-        <p14:creationId xmlns:p14="http://schemas.microsoft.com/office/powerpoint/2010/main" val="1753439146"/>
+        <p14:creationId xmlns:p14="http://schemas.microsoft.com/office/powerpoint/2010/main" val="2775617726"/>
       </p:ext>
     </p:extLst>
   </p:cSld>
@@ -3754,7 +3766,7 @@
           <a:p>
             <a:r>
               <a:rPr lang="nl-NL" dirty="0" smtClean="0"/>
-              <a:t>Introductie</a:t>
+              <a:t>Methode</a:t>
             </a:r>
             <a:endParaRPr lang="nl-NL" dirty="0"/>
           </a:p>
@@ -3775,48 +3787,14 @@
           <a:bodyPr/>
           <a:lstStyle/>
           <a:p>
-            <a:r>
-              <a:rPr lang="nl-NL" sz="3000" dirty="0" smtClean="0"/>
-              <a:t>Nederland</a:t>
-            </a:r>
-          </a:p>
-          <a:p>
-            <a:pPr lvl="1"/>
-            <a:r>
-              <a:rPr lang="nl-NL" sz="2600" dirty="0" smtClean="0"/>
-              <a:t>20 treinen a 180 minuten</a:t>
-            </a:r>
-          </a:p>
-          <a:p>
-            <a:pPr marL="457200" lvl="1" indent="0">
-              <a:buNone/>
-            </a:pPr>
-            <a:endParaRPr lang="nl-NL" dirty="0" smtClean="0"/>
-          </a:p>
-          <a:p>
-            <a:r>
-              <a:rPr lang="nl-NL" sz="3000" dirty="0" smtClean="0"/>
-              <a:t>Scorefunctie</a:t>
-            </a:r>
-          </a:p>
-          <a:p>
-            <a:pPr lvl="1"/>
-            <a:r>
-              <a:rPr lang="nl-NL" sz="2600" dirty="0"/>
-              <a:t>S = p*10000 - (t*20 + min/10)</a:t>
-            </a:r>
-            <a:endParaRPr lang="nl-NL" sz="2600" dirty="0" smtClean="0"/>
-          </a:p>
-          <a:p>
-            <a:pPr lvl="1"/>
-            <a:endParaRPr lang="nl-NL" dirty="0"/>
+            <a:endParaRPr lang="nl-NL"/>
           </a:p>
         </p:txBody>
       </p:sp>
     </p:spTree>
     <p:extLst>
       <p:ext uri="{BB962C8B-B14F-4D97-AF65-F5344CB8AC3E}">
-        <p14:creationId xmlns:p14="http://schemas.microsoft.com/office/powerpoint/2010/main" val="102163434"/>
+        <p14:creationId xmlns:p14="http://schemas.microsoft.com/office/powerpoint/2010/main" val="3450049689"/>
       </p:ext>
     </p:extLst>
   </p:cSld>
@@ -3867,7 +3845,7 @@
           <a:p>
             <a:r>
               <a:rPr lang="nl-NL" dirty="0" smtClean="0"/>
-              <a:t>Statespace</a:t>
+              <a:t>Resultaten</a:t>
             </a:r>
             <a:endParaRPr lang="nl-NL" dirty="0"/>
           </a:p>
@@ -3895,7 +3873,7 @@
     </p:spTree>
     <p:extLst>
       <p:ext uri="{BB962C8B-B14F-4D97-AF65-F5344CB8AC3E}">
-        <p14:creationId xmlns:p14="http://schemas.microsoft.com/office/powerpoint/2010/main" val="2775617726"/>
+        <p14:creationId xmlns:p14="http://schemas.microsoft.com/office/powerpoint/2010/main" val="3389790759"/>
       </p:ext>
     </p:extLst>
   </p:cSld>
@@ -3946,7 +3924,7 @@
           <a:p>
             <a:r>
               <a:rPr lang="nl-NL" dirty="0" smtClean="0"/>
-              <a:t>Methode</a:t>
+              <a:t>Vergelijken</a:t>
             </a:r>
             <a:endParaRPr lang="nl-NL" dirty="0"/>
           </a:p>
@@ -3974,20 +3952,13 @@
     </p:spTree>
     <p:extLst>
       <p:ext uri="{BB962C8B-B14F-4D97-AF65-F5344CB8AC3E}">
-        <p14:creationId xmlns:p14="http://schemas.microsoft.com/office/powerpoint/2010/main" val="3450049689"/>
+        <p14:creationId xmlns:p14="http://schemas.microsoft.com/office/powerpoint/2010/main" val="1488715878"/>
       </p:ext>
     </p:extLst>
   </p:cSld>
   <p:clrMapOvr>
     <a:masterClrMapping/>
   </p:clrMapOvr>
-  <p:timing>
-    <p:tnLst>
-      <p:par>
-        <p:cTn id="1" dur="indefinite" restart="never" nodeType="tmRoot"/>
-      </p:par>
-    </p:tnLst>
-  </p:timing>
 </p:sld>
 </file>
 
@@ -4025,7 +3996,7 @@
           <a:p>
             <a:r>
               <a:rPr lang="nl-NL" dirty="0" smtClean="0"/>
-              <a:t>Resultaten</a:t>
+              <a:t>Conclusie en discussie</a:t>
             </a:r>
             <a:endParaRPr lang="nl-NL" dirty="0"/>
           </a:p>
@@ -4053,86 +4024,7 @@
     </p:spTree>
     <p:extLst>
       <p:ext uri="{BB962C8B-B14F-4D97-AF65-F5344CB8AC3E}">
-        <p14:creationId xmlns:p14="http://schemas.microsoft.com/office/powerpoint/2010/main" val="3389790759"/>
-      </p:ext>
-    </p:extLst>
-  </p:cSld>
-  <p:clrMapOvr>
-    <a:masterClrMapping/>
-  </p:clrMapOvr>
-  <p:timing>
-    <p:tnLst>
-      <p:par>
-        <p:cTn id="1" dur="indefinite" restart="never" nodeType="tmRoot"/>
-      </p:par>
-    </p:tnLst>
-  </p:timing>
-</p:sld>
-</file>
-
-<file path=ppt/slides/slide9.xml><?xml version="1.0" encoding="utf-8"?>
-<p:sld xmlns:a="http://schemas.openxmlformats.org/drawingml/2006/main" xmlns:r="http://schemas.openxmlformats.org/officeDocument/2006/relationships" xmlns:p="http://schemas.openxmlformats.org/presentationml/2006/main">
-  <p:cSld>
-    <p:spTree>
-      <p:nvGrpSpPr>
-        <p:cNvPr id="1" name=""/>
-        <p:cNvGrpSpPr/>
-        <p:nvPr/>
-      </p:nvGrpSpPr>
-      <p:grpSpPr>
-        <a:xfrm>
-          <a:off x="0" y="0"/>
-          <a:ext cx="0" cy="0"/>
-          <a:chOff x="0" y="0"/>
-          <a:chExt cx="0" cy="0"/>
-        </a:xfrm>
-      </p:grpSpPr>
-      <p:sp>
-        <p:nvSpPr>
-          <p:cNvPr id="2" name="Title 1"/>
-          <p:cNvSpPr>
-            <a:spLocks noGrp="1"/>
-          </p:cNvSpPr>
-          <p:nvPr>
-            <p:ph type="title"/>
-          </p:nvPr>
-        </p:nvSpPr>
-        <p:spPr/>
-        <p:txBody>
-          <a:bodyPr/>
-          <a:lstStyle/>
-          <a:p>
-            <a:r>
-              <a:rPr lang="nl-NL" dirty="0" smtClean="0"/>
-              <a:t>Vergelijken</a:t>
-            </a:r>
-            <a:endParaRPr lang="nl-NL" dirty="0"/>
-          </a:p>
-        </p:txBody>
-      </p:sp>
-      <p:sp>
-        <p:nvSpPr>
-          <p:cNvPr id="3" name="Content Placeholder 2"/>
-          <p:cNvSpPr>
-            <a:spLocks noGrp="1"/>
-          </p:cNvSpPr>
-          <p:nvPr>
-            <p:ph idx="1"/>
-          </p:nvPr>
-        </p:nvSpPr>
-        <p:spPr/>
-        <p:txBody>
-          <a:bodyPr/>
-          <a:lstStyle/>
-          <a:p>
-            <a:endParaRPr lang="nl-NL"/>
-          </a:p>
-        </p:txBody>
-      </p:sp>
-    </p:spTree>
-    <p:extLst>
-      <p:ext uri="{BB962C8B-B14F-4D97-AF65-F5344CB8AC3E}">
-        <p14:creationId xmlns:p14="http://schemas.microsoft.com/office/powerpoint/2010/main" val="1488715878"/>
+        <p14:creationId xmlns:p14="http://schemas.microsoft.com/office/powerpoint/2010/main" val="2439522940"/>
       </p:ext>
     </p:extLst>
   </p:cSld>
